--- a/papers/Pluralistic_Image_Completion/Pluralistic-Inpainting.pptx
+++ b/papers/Pluralistic_Image_Completion/Pluralistic-Inpainting.pptx
@@ -105,6 +105,11 @@
       </a:defRPr>
     </a:lvl9pPr>
   </p:defaultTextStyle>
+  <p:extLst>
+    <p:ext uri="{EFAFB233-063F-42B5-8137-9DF3F51BA10A}">
+      <p15:sldGuideLst xmlns:p15="http://schemas.microsoft.com/office/powerpoint/2012/main"/>
+    </p:ext>
+  </p:extLst>
 </p:presentation>
 </file>
 
@@ -3662,7 +3667,7 @@
         </p:blipFill>
         <p:spPr>
           <a:xfrm>
-            <a:off x="5327497" y="3510643"/>
+            <a:off x="3346651" y="3975213"/>
             <a:ext cx="705678" cy="228600"/>
           </a:xfrm>
           <a:prstGeom prst="rect">
@@ -3692,7 +3697,7 @@
         </p:blipFill>
         <p:spPr>
           <a:xfrm>
-            <a:off x="3348150" y="3940175"/>
+            <a:off x="9743695" y="3151899"/>
             <a:ext cx="1054326" cy="175721"/>
           </a:xfrm>
           <a:prstGeom prst="rect">
@@ -3722,7 +3727,7 @@
         </p:blipFill>
         <p:spPr>
           <a:xfrm>
-            <a:off x="3875313" y="1661433"/>
+            <a:off x="4783332" y="1193495"/>
             <a:ext cx="788156" cy="249903"/>
           </a:xfrm>
           <a:prstGeom prst="rect">
@@ -3746,8 +3751,8 @@
         </p:nvCxnSpPr>
         <p:spPr>
           <a:xfrm flipV="1">
-            <a:off x="3624943" y="3624943"/>
-            <a:ext cx="250370" cy="256633"/>
+            <a:off x="6002290" y="3393880"/>
+            <a:ext cx="0" cy="322564"/>
           </a:xfrm>
           <a:prstGeom prst="straightConnector1">
             <a:avLst/>
@@ -3785,8 +3790,8 @@
         </p:nvSpPr>
         <p:spPr>
           <a:xfrm>
-            <a:off x="3847040" y="2015219"/>
-            <a:ext cx="1480457" cy="361863"/>
+            <a:off x="4455841" y="137253"/>
+            <a:ext cx="2966291" cy="361863"/>
           </a:xfrm>
           <a:prstGeom prst="rightArrow">
             <a:avLst/>
@@ -3839,7 +3844,7 @@
         </p:blipFill>
         <p:spPr>
           <a:xfrm>
-            <a:off x="5680336" y="2052776"/>
+            <a:off x="5681907" y="3843480"/>
             <a:ext cx="1117600" cy="215900"/>
           </a:xfrm>
           <a:prstGeom prst="rect">
@@ -3869,7 +3874,7 @@
         </p:blipFill>
         <p:spPr>
           <a:xfrm rot="5400000">
-            <a:off x="4156472" y="3098803"/>
+            <a:off x="4356988" y="3388414"/>
             <a:ext cx="2041876" cy="5161410"/>
           </a:xfrm>
           <a:prstGeom prst="rect">
@@ -3877,6 +3882,209 @@
           </a:prstGeom>
         </p:spPr>
       </p:pic>
+      <p:sp>
+        <p:nvSpPr>
+          <p:cNvPr id="2" name="矢印: U ターン 1">
+            <a:extLst>
+              <a:ext uri="{FF2B5EF4-FFF2-40B4-BE49-F238E27FC236}">
+                <a16:creationId xmlns:a16="http://schemas.microsoft.com/office/drawing/2014/main" id="{20D58347-3B94-4D0F-A8EC-4C40F16B38FF}"/>
+              </a:ext>
+            </a:extLst>
+          </p:cNvPr>
+          <p:cNvSpPr/>
+          <p:nvPr/>
+        </p:nvSpPr>
+        <p:spPr>
+          <a:xfrm>
+            <a:off x="2888974" y="1514721"/>
+            <a:ext cx="4635939" cy="634750"/>
+          </a:xfrm>
+          <a:prstGeom prst="uturnArrow">
+            <a:avLst/>
+          </a:prstGeom>
+        </p:spPr>
+        <p:style>
+          <a:lnRef idx="2">
+            <a:schemeClr val="accent1">
+              <a:shade val="50000"/>
+            </a:schemeClr>
+          </a:lnRef>
+          <a:fillRef idx="1">
+            <a:schemeClr val="accent1"/>
+          </a:fillRef>
+          <a:effectRef idx="0">
+            <a:schemeClr val="accent1"/>
+          </a:effectRef>
+          <a:fontRef idx="minor">
+            <a:schemeClr val="lt1"/>
+          </a:fontRef>
+        </p:style>
+        <p:txBody>
+          <a:bodyPr rtlCol="0" anchor="ctr"/>
+          <a:lstStyle/>
+          <a:p>
+            <a:pPr algn="ctr"/>
+            <a:endParaRPr kumimoji="1" lang="ja-JP" altLang="en-US">
+              <a:solidFill>
+                <a:schemeClr val="tx1"/>
+              </a:solidFill>
+            </a:endParaRPr>
+          </a:p>
+        </p:txBody>
+      </p:sp>
+      <p:pic>
+        <p:nvPicPr>
+          <p:cNvPr id="5" name="図 4">
+            <a:extLst>
+              <a:ext uri="{FF2B5EF4-FFF2-40B4-BE49-F238E27FC236}">
+                <a16:creationId xmlns:a16="http://schemas.microsoft.com/office/drawing/2014/main" id="{F18AB963-D559-4997-9BE2-B208B849ECD0}"/>
+              </a:ext>
+            </a:extLst>
+          </p:cNvPr>
+          <p:cNvPicPr>
+            <a:picLocks noChangeAspect="1"/>
+          </p:cNvPicPr>
+          <p:nvPr/>
+        </p:nvPicPr>
+        <p:blipFill>
+          <a:blip r:embed="rId8"/>
+          <a:stretch>
+            <a:fillRect/>
+          </a:stretch>
+        </p:blipFill>
+        <p:spPr>
+          <a:xfrm>
+            <a:off x="6508860" y="2111649"/>
+            <a:ext cx="1581150" cy="381000"/>
+          </a:xfrm>
+          <a:prstGeom prst="rect">
+            <a:avLst/>
+          </a:prstGeom>
+        </p:spPr>
+      </p:pic>
+      <p:pic>
+        <p:nvPicPr>
+          <p:cNvPr id="14" name="図 13">
+            <a:extLst>
+              <a:ext uri="{FF2B5EF4-FFF2-40B4-BE49-F238E27FC236}">
+                <a16:creationId xmlns:a16="http://schemas.microsoft.com/office/drawing/2014/main" id="{25E953A7-ED84-4A5E-B6BE-BA8DA58BD295}"/>
+              </a:ext>
+            </a:extLst>
+          </p:cNvPr>
+          <p:cNvPicPr>
+            <a:picLocks noChangeAspect="1"/>
+          </p:cNvPicPr>
+          <p:nvPr/>
+        </p:nvPicPr>
+        <p:blipFill>
+          <a:blip r:embed="rId8"/>
+          <a:stretch>
+            <a:fillRect/>
+          </a:stretch>
+        </p:blipFill>
+        <p:spPr>
+          <a:xfrm>
+            <a:off x="6662400" y="4582052"/>
+            <a:ext cx="1581150" cy="381000"/>
+          </a:xfrm>
+          <a:prstGeom prst="rect">
+            <a:avLst/>
+          </a:prstGeom>
+        </p:spPr>
+      </p:pic>
+      <p:sp>
+        <p:nvSpPr>
+          <p:cNvPr id="6" name="楕円 5">
+            <a:extLst>
+              <a:ext uri="{FF2B5EF4-FFF2-40B4-BE49-F238E27FC236}">
+                <a16:creationId xmlns:a16="http://schemas.microsoft.com/office/drawing/2014/main" id="{D14F0CB1-4B46-4202-9241-9C7C5E7CC27B}"/>
+              </a:ext>
+            </a:extLst>
+          </p:cNvPr>
+          <p:cNvSpPr/>
+          <p:nvPr/>
+        </p:nvSpPr>
+        <p:spPr>
+          <a:xfrm>
+            <a:off x="7168056" y="2045717"/>
+            <a:ext cx="383628" cy="425296"/>
+          </a:xfrm>
+          <a:prstGeom prst="ellipse">
+            <a:avLst/>
+          </a:prstGeom>
+          <a:noFill/>
+          <a:ln w="22225" cmpd="sng">
+            <a:solidFill>
+              <a:srgbClr val="FF0000"/>
+            </a:solidFill>
+          </a:ln>
+        </p:spPr>
+        <p:style>
+          <a:lnRef idx="2">
+            <a:schemeClr val="accent1">
+              <a:shade val="50000"/>
+            </a:schemeClr>
+          </a:lnRef>
+          <a:fillRef idx="1">
+            <a:schemeClr val="accent1"/>
+          </a:fillRef>
+          <a:effectRef idx="0">
+            <a:schemeClr val="accent1"/>
+          </a:effectRef>
+          <a:fontRef idx="minor">
+            <a:schemeClr val="lt1"/>
+          </a:fontRef>
+        </p:style>
+        <p:txBody>
+          <a:bodyPr rtlCol="0" anchor="ctr"/>
+          <a:lstStyle/>
+          <a:p>
+            <a:pPr algn="ctr"/>
+            <a:endParaRPr kumimoji="1" lang="ja-JP" altLang="en-US"/>
+          </a:p>
+        </p:txBody>
+      </p:sp>
+      <p:cxnSp>
+        <p:nvCxnSpPr>
+          <p:cNvPr id="16" name="直線矢印コネクタ 15">
+            <a:extLst>
+              <a:ext uri="{FF2B5EF4-FFF2-40B4-BE49-F238E27FC236}">
+                <a16:creationId xmlns:a16="http://schemas.microsoft.com/office/drawing/2014/main" id="{2377AC2A-1C40-4DC9-AC3F-505CE0B518D2}"/>
+              </a:ext>
+            </a:extLst>
+          </p:cNvPr>
+          <p:cNvCxnSpPr>
+            <a:cxnSpLocks/>
+          </p:cNvCxnSpPr>
+          <p:nvPr/>
+        </p:nvCxnSpPr>
+        <p:spPr>
+          <a:xfrm flipV="1">
+            <a:off x="3729543" y="3770718"/>
+            <a:ext cx="0" cy="322564"/>
+          </a:xfrm>
+          <a:prstGeom prst="straightConnector1">
+            <a:avLst/>
+          </a:prstGeom>
+          <a:ln>
+            <a:tailEnd type="triangle"/>
+          </a:ln>
+        </p:spPr>
+        <p:style>
+          <a:lnRef idx="1">
+            <a:schemeClr val="accent1"/>
+          </a:lnRef>
+          <a:fillRef idx="0">
+            <a:schemeClr val="accent1"/>
+          </a:fillRef>
+          <a:effectRef idx="0">
+            <a:schemeClr val="accent1"/>
+          </a:effectRef>
+          <a:fontRef idx="minor">
+            <a:schemeClr val="tx1"/>
+          </a:fontRef>
+        </p:style>
+      </p:cxnSp>
     </p:spTree>
     <p:extLst>
       <p:ext uri="{BB962C8B-B14F-4D97-AF65-F5344CB8AC3E}">

--- a/papers/Pluralistic_Image_Completion/Pluralistic-Inpainting.pptx
+++ b/papers/Pluralistic_Image_Completion/Pluralistic-Inpainting.pptx
@@ -6,7 +6,8 @@
   </p:sldMasterIdLst>
   <p:sldIdLst>
     <p:sldId id="256" r:id="rId2"/>
-    <p:sldId id="257" r:id="rId3"/>
+    <p:sldId id="258" r:id="rId3"/>
+    <p:sldId id="257" r:id="rId4"/>
   </p:sldIdLst>
   <p:sldSz cx="12192000" cy="6858000"/>
   <p:notesSz cx="6858000" cy="9144000"/>
@@ -260,7 +261,7 @@
           <a:p>
             <a:fld id="{01290493-440C-6146-9E7F-AD26766AC131}" type="datetimeFigureOut">
               <a:rPr kumimoji="1" lang="ja-JP" altLang="en-US" smtClean="0"/>
-              <a:t>2019/7/17</a:t>
+              <a:t>2019/7/18</a:t>
             </a:fld>
             <a:endParaRPr kumimoji="1" lang="ja-JP" altLang="en-US"/>
           </a:p>
@@ -490,7 +491,7 @@
           <a:p>
             <a:fld id="{01290493-440C-6146-9E7F-AD26766AC131}" type="datetimeFigureOut">
               <a:rPr kumimoji="1" lang="ja-JP" altLang="en-US" smtClean="0"/>
-              <a:t>2019/7/17</a:t>
+              <a:t>2019/7/18</a:t>
             </a:fld>
             <a:endParaRPr kumimoji="1" lang="ja-JP" altLang="en-US"/>
           </a:p>
@@ -730,7 +731,7 @@
           <a:p>
             <a:fld id="{01290493-440C-6146-9E7F-AD26766AC131}" type="datetimeFigureOut">
               <a:rPr kumimoji="1" lang="ja-JP" altLang="en-US" smtClean="0"/>
-              <a:t>2019/7/17</a:t>
+              <a:t>2019/7/18</a:t>
             </a:fld>
             <a:endParaRPr kumimoji="1" lang="ja-JP" altLang="en-US"/>
           </a:p>
@@ -960,7 +961,7 @@
           <a:p>
             <a:fld id="{01290493-440C-6146-9E7F-AD26766AC131}" type="datetimeFigureOut">
               <a:rPr kumimoji="1" lang="ja-JP" altLang="en-US" smtClean="0"/>
-              <a:t>2019/7/17</a:t>
+              <a:t>2019/7/18</a:t>
             </a:fld>
             <a:endParaRPr kumimoji="1" lang="ja-JP" altLang="en-US"/>
           </a:p>
@@ -1235,7 +1236,7 @@
           <a:p>
             <a:fld id="{01290493-440C-6146-9E7F-AD26766AC131}" type="datetimeFigureOut">
               <a:rPr kumimoji="1" lang="ja-JP" altLang="en-US" smtClean="0"/>
-              <a:t>2019/7/17</a:t>
+              <a:t>2019/7/18</a:t>
             </a:fld>
             <a:endParaRPr kumimoji="1" lang="ja-JP" altLang="en-US"/>
           </a:p>
@@ -1564,7 +1565,7 @@
           <a:p>
             <a:fld id="{01290493-440C-6146-9E7F-AD26766AC131}" type="datetimeFigureOut">
               <a:rPr kumimoji="1" lang="ja-JP" altLang="en-US" smtClean="0"/>
-              <a:t>2019/7/17</a:t>
+              <a:t>2019/7/18</a:t>
             </a:fld>
             <a:endParaRPr kumimoji="1" lang="ja-JP" altLang="en-US"/>
           </a:p>
@@ -2040,7 +2041,7 @@
           <a:p>
             <a:fld id="{01290493-440C-6146-9E7F-AD26766AC131}" type="datetimeFigureOut">
               <a:rPr kumimoji="1" lang="ja-JP" altLang="en-US" smtClean="0"/>
-              <a:t>2019/7/17</a:t>
+              <a:t>2019/7/18</a:t>
             </a:fld>
             <a:endParaRPr kumimoji="1" lang="ja-JP" altLang="en-US"/>
           </a:p>
@@ -2181,7 +2182,7 @@
           <a:p>
             <a:fld id="{01290493-440C-6146-9E7F-AD26766AC131}" type="datetimeFigureOut">
               <a:rPr kumimoji="1" lang="ja-JP" altLang="en-US" smtClean="0"/>
-              <a:t>2019/7/17</a:t>
+              <a:t>2019/7/18</a:t>
             </a:fld>
             <a:endParaRPr kumimoji="1" lang="ja-JP" altLang="en-US"/>
           </a:p>
@@ -2294,7 +2295,7 @@
           <a:p>
             <a:fld id="{01290493-440C-6146-9E7F-AD26766AC131}" type="datetimeFigureOut">
               <a:rPr kumimoji="1" lang="ja-JP" altLang="en-US" smtClean="0"/>
-              <a:t>2019/7/17</a:t>
+              <a:t>2019/7/18</a:t>
             </a:fld>
             <a:endParaRPr kumimoji="1" lang="ja-JP" altLang="en-US"/>
           </a:p>
@@ -2637,7 +2638,7 @@
           <a:p>
             <a:fld id="{01290493-440C-6146-9E7F-AD26766AC131}" type="datetimeFigureOut">
               <a:rPr kumimoji="1" lang="ja-JP" altLang="en-US" smtClean="0"/>
-              <a:t>2019/7/17</a:t>
+              <a:t>2019/7/18</a:t>
             </a:fld>
             <a:endParaRPr kumimoji="1" lang="ja-JP" altLang="en-US"/>
           </a:p>
@@ -2925,7 +2926,7 @@
           <a:p>
             <a:fld id="{01290493-440C-6146-9E7F-AD26766AC131}" type="datetimeFigureOut">
               <a:rPr kumimoji="1" lang="ja-JP" altLang="en-US" smtClean="0"/>
-              <a:t>2019/7/17</a:t>
+              <a:t>2019/7/18</a:t>
             </a:fld>
             <a:endParaRPr kumimoji="1" lang="ja-JP" altLang="en-US"/>
           </a:p>
@@ -3198,7 +3199,7 @@
           <a:p>
             <a:fld id="{01290493-440C-6146-9E7F-AD26766AC131}" type="datetimeFigureOut">
               <a:rPr kumimoji="1" lang="ja-JP" altLang="en-US" smtClean="0"/>
-              <a:t>2019/7/17</a:t>
+              <a:t>2019/7/18</a:t>
             </a:fld>
             <a:endParaRPr kumimoji="1" lang="ja-JP" altLang="en-US"/>
           </a:p>
@@ -3852,36 +3853,6 @@
           </a:prstGeom>
         </p:spPr>
       </p:pic>
-      <p:pic>
-        <p:nvPicPr>
-          <p:cNvPr id="17" name="図 16">
-            <a:extLst>
-              <a:ext uri="{FF2B5EF4-FFF2-40B4-BE49-F238E27FC236}">
-                <a16:creationId xmlns:a16="http://schemas.microsoft.com/office/drawing/2014/main" id="{593DCBF3-C52A-BB4D-9E2E-795781E43134}"/>
-              </a:ext>
-            </a:extLst>
-          </p:cNvPr>
-          <p:cNvPicPr>
-            <a:picLocks noChangeAspect="1"/>
-          </p:cNvPicPr>
-          <p:nvPr/>
-        </p:nvPicPr>
-        <p:blipFill>
-          <a:blip r:embed="rId7"/>
-          <a:stretch>
-            <a:fillRect/>
-          </a:stretch>
-        </p:blipFill>
-        <p:spPr>
-          <a:xfrm rot="5400000">
-            <a:off x="4356988" y="3388414"/>
-            <a:ext cx="2041876" cy="5161410"/>
-          </a:xfrm>
-          <a:prstGeom prst="rect">
-            <a:avLst/>
-          </a:prstGeom>
-        </p:spPr>
-      </p:pic>
       <p:sp>
         <p:nvSpPr>
           <p:cNvPr id="2" name="矢印: U ターン 1">
@@ -3947,7 +3918,7 @@
           <p:nvPr/>
         </p:nvPicPr>
         <p:blipFill>
-          <a:blip r:embed="rId8"/>
+          <a:blip r:embed="rId7"/>
           <a:stretch>
             <a:fillRect/>
           </a:stretch>
@@ -3977,7 +3948,7 @@
           <p:nvPr/>
         </p:nvPicPr>
         <p:blipFill>
-          <a:blip r:embed="rId8"/>
+          <a:blip r:embed="rId7"/>
           <a:stretch>
             <a:fillRect/>
           </a:stretch>
@@ -4099,6 +4070,400 @@
 </file>
 
 <file path=ppt/slides/slide2.xml><?xml version="1.0" encoding="utf-8"?>
+<p:sld xmlns:a="http://schemas.openxmlformats.org/drawingml/2006/main" xmlns:r="http://schemas.openxmlformats.org/officeDocument/2006/relationships" xmlns:p="http://schemas.openxmlformats.org/presentationml/2006/main">
+  <p:cSld>
+    <p:spTree>
+      <p:nvGrpSpPr>
+        <p:cNvPr id="1" name=""/>
+        <p:cNvGrpSpPr/>
+        <p:nvPr/>
+      </p:nvGrpSpPr>
+      <p:grpSpPr>
+        <a:xfrm>
+          <a:off x="0" y="0"/>
+          <a:ext cx="0" cy="0"/>
+          <a:chOff x="0" y="0"/>
+          <a:chExt cx="0" cy="0"/>
+        </a:xfrm>
+      </p:grpSpPr>
+      <p:pic>
+        <p:nvPicPr>
+          <p:cNvPr id="4" name="図 3">
+            <a:extLst>
+              <a:ext uri="{FF2B5EF4-FFF2-40B4-BE49-F238E27FC236}">
+                <a16:creationId xmlns:a16="http://schemas.microsoft.com/office/drawing/2014/main" id="{A850784A-87B3-4E4E-9514-9D678E8BF4A1}"/>
+              </a:ext>
+            </a:extLst>
+          </p:cNvPr>
+          <p:cNvPicPr>
+            <a:picLocks noChangeAspect="1"/>
+          </p:cNvPicPr>
+          <p:nvPr/>
+        </p:nvPicPr>
+        <p:blipFill>
+          <a:blip r:embed="rId2"/>
+          <a:stretch>
+            <a:fillRect/>
+          </a:stretch>
+        </p:blipFill>
+        <p:spPr>
+          <a:xfrm rot="5400000">
+            <a:off x="3255560" y="-810280"/>
+            <a:ext cx="2041876" cy="5161410"/>
+          </a:xfrm>
+          <a:prstGeom prst="rect">
+            <a:avLst/>
+          </a:prstGeom>
+        </p:spPr>
+      </p:pic>
+      <p:pic>
+        <p:nvPicPr>
+          <p:cNvPr id="5" name="図 4">
+            <a:extLst>
+              <a:ext uri="{FF2B5EF4-FFF2-40B4-BE49-F238E27FC236}">
+                <a16:creationId xmlns:a16="http://schemas.microsoft.com/office/drawing/2014/main" id="{5F07B78A-358B-0D4F-B544-BF6F82BE9E34}"/>
+              </a:ext>
+            </a:extLst>
+          </p:cNvPr>
+          <p:cNvPicPr>
+            <a:picLocks noChangeAspect="1"/>
+          </p:cNvPicPr>
+          <p:nvPr/>
+        </p:nvPicPr>
+        <p:blipFill>
+          <a:blip r:embed="rId3"/>
+          <a:stretch>
+            <a:fillRect/>
+          </a:stretch>
+        </p:blipFill>
+        <p:spPr>
+          <a:xfrm>
+            <a:off x="4870417" y="4041913"/>
+            <a:ext cx="788156" cy="249903"/>
+          </a:xfrm>
+          <a:prstGeom prst="rect">
+            <a:avLst/>
+          </a:prstGeom>
+        </p:spPr>
+      </p:pic>
+      <p:cxnSp>
+        <p:nvCxnSpPr>
+          <p:cNvPr id="6" name="直線矢印コネクタ 5">
+            <a:extLst>
+              <a:ext uri="{FF2B5EF4-FFF2-40B4-BE49-F238E27FC236}">
+                <a16:creationId xmlns:a16="http://schemas.microsoft.com/office/drawing/2014/main" id="{A99F6060-9A7D-8248-B2C3-DB161934B415}"/>
+              </a:ext>
+            </a:extLst>
+          </p:cNvPr>
+          <p:cNvCxnSpPr>
+            <a:cxnSpLocks/>
+          </p:cNvCxnSpPr>
+          <p:nvPr/>
+        </p:nvCxnSpPr>
+        <p:spPr>
+          <a:xfrm flipV="1">
+            <a:off x="6368161" y="3335967"/>
+            <a:ext cx="0" cy="322564"/>
+          </a:xfrm>
+          <a:prstGeom prst="straightConnector1">
+            <a:avLst/>
+          </a:prstGeom>
+          <a:ln>
+            <a:tailEnd type="triangle"/>
+          </a:ln>
+        </p:spPr>
+        <p:style>
+          <a:lnRef idx="1">
+            <a:schemeClr val="accent1"/>
+          </a:lnRef>
+          <a:fillRef idx="0">
+            <a:schemeClr val="accent1"/>
+          </a:fillRef>
+          <a:effectRef idx="0">
+            <a:schemeClr val="accent1"/>
+          </a:effectRef>
+          <a:fontRef idx="minor">
+            <a:schemeClr val="tx1"/>
+          </a:fontRef>
+        </p:style>
+      </p:cxnSp>
+      <p:pic>
+        <p:nvPicPr>
+          <p:cNvPr id="7" name="図 6">
+            <a:extLst>
+              <a:ext uri="{FF2B5EF4-FFF2-40B4-BE49-F238E27FC236}">
+                <a16:creationId xmlns:a16="http://schemas.microsoft.com/office/drawing/2014/main" id="{BBAFF39F-4BC0-764C-8C80-C4AAB085E79D}"/>
+              </a:ext>
+            </a:extLst>
+          </p:cNvPr>
+          <p:cNvPicPr>
+            <a:picLocks noChangeAspect="1"/>
+          </p:cNvPicPr>
+          <p:nvPr/>
+        </p:nvPicPr>
+        <p:blipFill>
+          <a:blip r:embed="rId4"/>
+          <a:stretch>
+            <a:fillRect/>
+          </a:stretch>
+        </p:blipFill>
+        <p:spPr>
+          <a:xfrm>
+            <a:off x="6096000" y="3778147"/>
+            <a:ext cx="1117600" cy="215900"/>
+          </a:xfrm>
+          <a:prstGeom prst="rect">
+            <a:avLst/>
+          </a:prstGeom>
+        </p:spPr>
+      </p:pic>
+      <p:sp>
+        <p:nvSpPr>
+          <p:cNvPr id="8" name="矢印: U ターン 1">
+            <a:extLst>
+              <a:ext uri="{FF2B5EF4-FFF2-40B4-BE49-F238E27FC236}">
+                <a16:creationId xmlns:a16="http://schemas.microsoft.com/office/drawing/2014/main" id="{709CAA76-A307-AE4E-A3EA-0C2A6AC47CA3}"/>
+              </a:ext>
+            </a:extLst>
+          </p:cNvPr>
+          <p:cNvSpPr/>
+          <p:nvPr/>
+        </p:nvSpPr>
+        <p:spPr>
+          <a:xfrm flipV="1">
+            <a:off x="3083160" y="3802336"/>
+            <a:ext cx="4635939" cy="797019"/>
+          </a:xfrm>
+          <a:prstGeom prst="uturnArrow">
+            <a:avLst/>
+          </a:prstGeom>
+        </p:spPr>
+        <p:style>
+          <a:lnRef idx="2">
+            <a:schemeClr val="accent1">
+              <a:shade val="50000"/>
+            </a:schemeClr>
+          </a:lnRef>
+          <a:fillRef idx="1">
+            <a:schemeClr val="accent1"/>
+          </a:fillRef>
+          <a:effectRef idx="0">
+            <a:schemeClr val="accent1"/>
+          </a:effectRef>
+          <a:fontRef idx="minor">
+            <a:schemeClr val="lt1"/>
+          </a:fontRef>
+        </p:style>
+        <p:txBody>
+          <a:bodyPr rtlCol="0" anchor="ctr"/>
+          <a:lstStyle/>
+          <a:p>
+            <a:pPr algn="ctr"/>
+            <a:endParaRPr kumimoji="1" lang="ja-JP" altLang="en-US">
+              <a:solidFill>
+                <a:schemeClr val="tx1"/>
+              </a:solidFill>
+            </a:endParaRPr>
+          </a:p>
+        </p:txBody>
+      </p:sp>
+      <p:pic>
+        <p:nvPicPr>
+          <p:cNvPr id="9" name="図 8">
+            <a:extLst>
+              <a:ext uri="{FF2B5EF4-FFF2-40B4-BE49-F238E27FC236}">
+                <a16:creationId xmlns:a16="http://schemas.microsoft.com/office/drawing/2014/main" id="{2E1594FD-4399-2441-8E56-BDF3A8CABAFA}"/>
+              </a:ext>
+            </a:extLst>
+          </p:cNvPr>
+          <p:cNvPicPr>
+            <a:picLocks noChangeAspect="1"/>
+          </p:cNvPicPr>
+          <p:nvPr/>
+        </p:nvPicPr>
+        <p:blipFill>
+          <a:blip r:embed="rId5"/>
+          <a:stretch>
+            <a:fillRect/>
+          </a:stretch>
+        </p:blipFill>
+        <p:spPr>
+          <a:xfrm>
+            <a:off x="7380532" y="2480512"/>
+            <a:ext cx="1581150" cy="381000"/>
+          </a:xfrm>
+          <a:prstGeom prst="rect">
+            <a:avLst/>
+          </a:prstGeom>
+        </p:spPr>
+      </p:pic>
+      <p:sp>
+        <p:nvSpPr>
+          <p:cNvPr id="10" name="楕円 5">
+            <a:extLst>
+              <a:ext uri="{FF2B5EF4-FFF2-40B4-BE49-F238E27FC236}">
+                <a16:creationId xmlns:a16="http://schemas.microsoft.com/office/drawing/2014/main" id="{BFDAA026-75A4-0D49-B885-4AAAF9106E90}"/>
+              </a:ext>
+            </a:extLst>
+          </p:cNvPr>
+          <p:cNvSpPr/>
+          <p:nvPr/>
+        </p:nvSpPr>
+        <p:spPr>
+          <a:xfrm>
+            <a:off x="4870417" y="5301700"/>
+            <a:ext cx="383628" cy="425296"/>
+          </a:xfrm>
+          <a:prstGeom prst="ellipse">
+            <a:avLst/>
+          </a:prstGeom>
+          <a:noFill/>
+          <a:ln w="22225" cmpd="sng">
+            <a:solidFill>
+              <a:srgbClr val="FF0000"/>
+            </a:solidFill>
+          </a:ln>
+        </p:spPr>
+        <p:style>
+          <a:lnRef idx="2">
+            <a:schemeClr val="accent1">
+              <a:shade val="50000"/>
+            </a:schemeClr>
+          </a:lnRef>
+          <a:fillRef idx="1">
+            <a:schemeClr val="accent1"/>
+          </a:fillRef>
+          <a:effectRef idx="0">
+            <a:schemeClr val="accent1"/>
+          </a:effectRef>
+          <a:fontRef idx="minor">
+            <a:schemeClr val="lt1"/>
+          </a:fontRef>
+        </p:style>
+        <p:txBody>
+          <a:bodyPr rtlCol="0" anchor="ctr"/>
+          <a:lstStyle/>
+          <a:p>
+            <a:pPr algn="ctr"/>
+            <a:endParaRPr kumimoji="1" lang="ja-JP" altLang="en-US"/>
+          </a:p>
+        </p:txBody>
+      </p:sp>
+      <p:cxnSp>
+        <p:nvCxnSpPr>
+          <p:cNvPr id="11" name="直線矢印コネクタ 10">
+            <a:extLst>
+              <a:ext uri="{FF2B5EF4-FFF2-40B4-BE49-F238E27FC236}">
+                <a16:creationId xmlns:a16="http://schemas.microsoft.com/office/drawing/2014/main" id="{CFFA9EEB-95CC-1144-B425-ED110AB73243}"/>
+              </a:ext>
+            </a:extLst>
+          </p:cNvPr>
+          <p:cNvCxnSpPr>
+            <a:cxnSpLocks/>
+          </p:cNvCxnSpPr>
+          <p:nvPr/>
+        </p:nvCxnSpPr>
+        <p:spPr>
+          <a:xfrm flipV="1">
+            <a:off x="4088772" y="3335967"/>
+            <a:ext cx="0" cy="322564"/>
+          </a:xfrm>
+          <a:prstGeom prst="straightConnector1">
+            <a:avLst/>
+          </a:prstGeom>
+          <a:ln>
+            <a:tailEnd type="triangle"/>
+          </a:ln>
+        </p:spPr>
+        <p:style>
+          <a:lnRef idx="1">
+            <a:schemeClr val="accent1"/>
+          </a:lnRef>
+          <a:fillRef idx="0">
+            <a:schemeClr val="accent1"/>
+          </a:fillRef>
+          <a:effectRef idx="0">
+            <a:schemeClr val="accent1"/>
+          </a:effectRef>
+          <a:fontRef idx="minor">
+            <a:schemeClr val="tx1"/>
+          </a:fontRef>
+        </p:style>
+      </p:cxnSp>
+      <p:pic>
+        <p:nvPicPr>
+          <p:cNvPr id="13" name="図 12">
+            <a:extLst>
+              <a:ext uri="{FF2B5EF4-FFF2-40B4-BE49-F238E27FC236}">
+                <a16:creationId xmlns:a16="http://schemas.microsoft.com/office/drawing/2014/main" id="{C56DF10C-1347-4D4F-82DB-F49365819A69}"/>
+              </a:ext>
+            </a:extLst>
+          </p:cNvPr>
+          <p:cNvPicPr>
+            <a:picLocks noChangeAspect="1"/>
+          </p:cNvPicPr>
+          <p:nvPr/>
+        </p:nvPicPr>
+        <p:blipFill>
+          <a:blip r:embed="rId6"/>
+          <a:stretch>
+            <a:fillRect/>
+          </a:stretch>
+        </p:blipFill>
+        <p:spPr>
+          <a:xfrm>
+            <a:off x="3676022" y="3728122"/>
+            <a:ext cx="825500" cy="241300"/>
+          </a:xfrm>
+          <a:prstGeom prst="rect">
+            <a:avLst/>
+          </a:prstGeom>
+        </p:spPr>
+      </p:pic>
+      <p:pic>
+        <p:nvPicPr>
+          <p:cNvPr id="14" name="図 13">
+            <a:extLst>
+              <a:ext uri="{FF2B5EF4-FFF2-40B4-BE49-F238E27FC236}">
+                <a16:creationId xmlns:a16="http://schemas.microsoft.com/office/drawing/2014/main" id="{05326754-A095-324C-A178-E6DDD9157D6C}"/>
+              </a:ext>
+            </a:extLst>
+          </p:cNvPr>
+          <p:cNvPicPr>
+            <a:picLocks noChangeAspect="1"/>
+          </p:cNvPicPr>
+          <p:nvPr/>
+        </p:nvPicPr>
+        <p:blipFill>
+          <a:blip r:embed="rId7"/>
+          <a:stretch>
+            <a:fillRect/>
+          </a:stretch>
+        </p:blipFill>
+        <p:spPr>
+          <a:xfrm rot="5400000">
+            <a:off x="8894035" y="3597995"/>
+            <a:ext cx="1798007" cy="4147878"/>
+          </a:xfrm>
+          <a:prstGeom prst="rect">
+            <a:avLst/>
+          </a:prstGeom>
+        </p:spPr>
+      </p:pic>
+    </p:spTree>
+    <p:extLst>
+      <p:ext uri="{BB962C8B-B14F-4D97-AF65-F5344CB8AC3E}">
+        <p14:creationId xmlns:p14="http://schemas.microsoft.com/office/powerpoint/2010/main" val="888563346"/>
+      </p:ext>
+    </p:extLst>
+  </p:cSld>
+  <p:clrMapOvr>
+    <a:masterClrMapping/>
+  </p:clrMapOvr>
+</p:sld>
+</file>
+
+<file path=ppt/slides/slide3.xml><?xml version="1.0" encoding="utf-8"?>
 <p:sld xmlns:a="http://schemas.openxmlformats.org/drawingml/2006/main" xmlns:r="http://schemas.openxmlformats.org/officeDocument/2006/relationships" xmlns:p="http://schemas.openxmlformats.org/presentationml/2006/main">
   <p:cSld>
     <p:spTree>

--- a/papers/Pluralistic_Image_Completion/Pluralistic-Inpainting.pptx
+++ b/papers/Pluralistic_Image_Completion/Pluralistic-Inpainting.pptx
@@ -8,6 +8,7 @@
     <p:sldId id="256" r:id="rId2"/>
     <p:sldId id="258" r:id="rId3"/>
     <p:sldId id="257" r:id="rId4"/>
+    <p:sldId id="259" r:id="rId5"/>
   </p:sldIdLst>
   <p:sldSz cx="12192000" cy="6858000"/>
   <p:notesSz cx="6858000" cy="9144000"/>
@@ -261,7 +262,7 @@
           <a:p>
             <a:fld id="{01290493-440C-6146-9E7F-AD26766AC131}" type="datetimeFigureOut">
               <a:rPr kumimoji="1" lang="ja-JP" altLang="en-US" smtClean="0"/>
-              <a:t>2019/7/18</a:t>
+              <a:t>2019/7/19</a:t>
             </a:fld>
             <a:endParaRPr kumimoji="1" lang="ja-JP" altLang="en-US"/>
           </a:p>
@@ -491,7 +492,7 @@
           <a:p>
             <a:fld id="{01290493-440C-6146-9E7F-AD26766AC131}" type="datetimeFigureOut">
               <a:rPr kumimoji="1" lang="ja-JP" altLang="en-US" smtClean="0"/>
-              <a:t>2019/7/18</a:t>
+              <a:t>2019/7/19</a:t>
             </a:fld>
             <a:endParaRPr kumimoji="1" lang="ja-JP" altLang="en-US"/>
           </a:p>
@@ -731,7 +732,7 @@
           <a:p>
             <a:fld id="{01290493-440C-6146-9E7F-AD26766AC131}" type="datetimeFigureOut">
               <a:rPr kumimoji="1" lang="ja-JP" altLang="en-US" smtClean="0"/>
-              <a:t>2019/7/18</a:t>
+              <a:t>2019/7/19</a:t>
             </a:fld>
             <a:endParaRPr kumimoji="1" lang="ja-JP" altLang="en-US"/>
           </a:p>
@@ -961,7 +962,7 @@
           <a:p>
             <a:fld id="{01290493-440C-6146-9E7F-AD26766AC131}" type="datetimeFigureOut">
               <a:rPr kumimoji="1" lang="ja-JP" altLang="en-US" smtClean="0"/>
-              <a:t>2019/7/18</a:t>
+              <a:t>2019/7/19</a:t>
             </a:fld>
             <a:endParaRPr kumimoji="1" lang="ja-JP" altLang="en-US"/>
           </a:p>
@@ -1236,7 +1237,7 @@
           <a:p>
             <a:fld id="{01290493-440C-6146-9E7F-AD26766AC131}" type="datetimeFigureOut">
               <a:rPr kumimoji="1" lang="ja-JP" altLang="en-US" smtClean="0"/>
-              <a:t>2019/7/18</a:t>
+              <a:t>2019/7/19</a:t>
             </a:fld>
             <a:endParaRPr kumimoji="1" lang="ja-JP" altLang="en-US"/>
           </a:p>
@@ -1565,7 +1566,7 @@
           <a:p>
             <a:fld id="{01290493-440C-6146-9E7F-AD26766AC131}" type="datetimeFigureOut">
               <a:rPr kumimoji="1" lang="ja-JP" altLang="en-US" smtClean="0"/>
-              <a:t>2019/7/18</a:t>
+              <a:t>2019/7/19</a:t>
             </a:fld>
             <a:endParaRPr kumimoji="1" lang="ja-JP" altLang="en-US"/>
           </a:p>
@@ -2041,7 +2042,7 @@
           <a:p>
             <a:fld id="{01290493-440C-6146-9E7F-AD26766AC131}" type="datetimeFigureOut">
               <a:rPr kumimoji="1" lang="ja-JP" altLang="en-US" smtClean="0"/>
-              <a:t>2019/7/18</a:t>
+              <a:t>2019/7/19</a:t>
             </a:fld>
             <a:endParaRPr kumimoji="1" lang="ja-JP" altLang="en-US"/>
           </a:p>
@@ -2182,7 +2183,7 @@
           <a:p>
             <a:fld id="{01290493-440C-6146-9E7F-AD26766AC131}" type="datetimeFigureOut">
               <a:rPr kumimoji="1" lang="ja-JP" altLang="en-US" smtClean="0"/>
-              <a:t>2019/7/18</a:t>
+              <a:t>2019/7/19</a:t>
             </a:fld>
             <a:endParaRPr kumimoji="1" lang="ja-JP" altLang="en-US"/>
           </a:p>
@@ -2295,7 +2296,7 @@
           <a:p>
             <a:fld id="{01290493-440C-6146-9E7F-AD26766AC131}" type="datetimeFigureOut">
               <a:rPr kumimoji="1" lang="ja-JP" altLang="en-US" smtClean="0"/>
-              <a:t>2019/7/18</a:t>
+              <a:t>2019/7/19</a:t>
             </a:fld>
             <a:endParaRPr kumimoji="1" lang="ja-JP" altLang="en-US"/>
           </a:p>
@@ -2638,7 +2639,7 @@
           <a:p>
             <a:fld id="{01290493-440C-6146-9E7F-AD26766AC131}" type="datetimeFigureOut">
               <a:rPr kumimoji="1" lang="ja-JP" altLang="en-US" smtClean="0"/>
-              <a:t>2019/7/18</a:t>
+              <a:t>2019/7/19</a:t>
             </a:fld>
             <a:endParaRPr kumimoji="1" lang="ja-JP" altLang="en-US"/>
           </a:p>
@@ -2926,7 +2927,7 @@
           <a:p>
             <a:fld id="{01290493-440C-6146-9E7F-AD26766AC131}" type="datetimeFigureOut">
               <a:rPr kumimoji="1" lang="ja-JP" altLang="en-US" smtClean="0"/>
-              <a:t>2019/7/18</a:t>
+              <a:t>2019/7/19</a:t>
             </a:fld>
             <a:endParaRPr kumimoji="1" lang="ja-JP" altLang="en-US"/>
           </a:p>
@@ -3199,7 +3200,7 @@
           <a:p>
             <a:fld id="{01290493-440C-6146-9E7F-AD26766AC131}" type="datetimeFigureOut">
               <a:rPr kumimoji="1" lang="ja-JP" altLang="en-US" smtClean="0"/>
-              <a:t>2019/7/18</a:t>
+              <a:t>2019/7/19</a:t>
             </a:fld>
             <a:endParaRPr kumimoji="1" lang="ja-JP" altLang="en-US"/>
           </a:p>
@@ -4940,6 +4941,187 @@
 </p:sld>
 </file>
 
+<file path=ppt/slides/slide4.xml><?xml version="1.0" encoding="utf-8"?>
+<p:sld xmlns:a="http://schemas.openxmlformats.org/drawingml/2006/main" xmlns:r="http://schemas.openxmlformats.org/officeDocument/2006/relationships" xmlns:p="http://schemas.openxmlformats.org/presentationml/2006/main">
+  <p:cSld>
+    <p:spTree>
+      <p:nvGrpSpPr>
+        <p:cNvPr id="1" name=""/>
+        <p:cNvGrpSpPr/>
+        <p:nvPr/>
+      </p:nvGrpSpPr>
+      <p:grpSpPr>
+        <a:xfrm>
+          <a:off x="0" y="0"/>
+          <a:ext cx="0" cy="0"/>
+          <a:chOff x="0" y="0"/>
+          <a:chExt cx="0" cy="0"/>
+        </a:xfrm>
+      </p:grpSpPr>
+      <p:pic>
+        <p:nvPicPr>
+          <p:cNvPr id="4" name="図 3">
+            <a:extLst>
+              <a:ext uri="{FF2B5EF4-FFF2-40B4-BE49-F238E27FC236}">
+                <a16:creationId xmlns:a16="http://schemas.microsoft.com/office/drawing/2014/main" id="{A5DFCAE0-1C4C-9E4A-A8F4-0AE8730CFC0B}"/>
+              </a:ext>
+            </a:extLst>
+          </p:cNvPr>
+          <p:cNvPicPr>
+            <a:picLocks noChangeAspect="1"/>
+          </p:cNvPicPr>
+          <p:nvPr/>
+        </p:nvPicPr>
+        <p:blipFill>
+          <a:blip r:embed="rId2"/>
+          <a:stretch>
+            <a:fillRect/>
+          </a:stretch>
+        </p:blipFill>
+        <p:spPr>
+          <a:xfrm>
+            <a:off x="1548493" y="822777"/>
+            <a:ext cx="5752420" cy="3374159"/>
+          </a:xfrm>
+          <a:prstGeom prst="rect">
+            <a:avLst/>
+          </a:prstGeom>
+        </p:spPr>
+      </p:pic>
+      <p:sp>
+        <p:nvSpPr>
+          <p:cNvPr id="5" name="テキスト ボックス 4">
+            <a:extLst>
+              <a:ext uri="{FF2B5EF4-FFF2-40B4-BE49-F238E27FC236}">
+                <a16:creationId xmlns:a16="http://schemas.microsoft.com/office/drawing/2014/main" id="{A38CDF77-0B75-8249-AED1-5A318926E974}"/>
+              </a:ext>
+            </a:extLst>
+          </p:cNvPr>
+          <p:cNvSpPr txBox="1"/>
+          <p:nvPr/>
+        </p:nvSpPr>
+        <p:spPr>
+          <a:xfrm>
+            <a:off x="7300913" y="1066801"/>
+            <a:ext cx="2074408" cy="461665"/>
+          </a:xfrm>
+          <a:prstGeom prst="rect">
+            <a:avLst/>
+          </a:prstGeom>
+          <a:noFill/>
+        </p:spPr>
+        <p:txBody>
+          <a:bodyPr wrap="square" rtlCol="0">
+            <a:spAutoFit/>
+          </a:bodyPr>
+          <a:lstStyle/>
+          <a:p>
+            <a:r>
+              <a:rPr kumimoji="1" lang="en-US" altLang="ja-JP" sz="1200"/>
+              <a:t>Ours </a:t>
+            </a:r>
+          </a:p>
+          <a:p>
+            <a:r>
+              <a:rPr kumimoji="1" lang="en-US" altLang="ja-JP" sz="1200"/>
+              <a:t>(</a:t>
+            </a:r>
+            <a:r>
+              <a:rPr lang="en" altLang="ja-JP" sz="1200"/>
+              <a:t>PICNet-random </a:t>
+            </a:r>
+            <a:r>
+              <a:rPr kumimoji="1" lang="en-US" altLang="ja-JP" sz="1200"/>
+              <a:t>)</a:t>
+            </a:r>
+            <a:endParaRPr kumimoji="1" lang="ja-JP" altLang="en-US" sz="1200"/>
+          </a:p>
+        </p:txBody>
+      </p:sp>
+      <p:sp>
+        <p:nvSpPr>
+          <p:cNvPr id="6" name="テキスト ボックス 5">
+            <a:extLst>
+              <a:ext uri="{FF2B5EF4-FFF2-40B4-BE49-F238E27FC236}">
+                <a16:creationId xmlns:a16="http://schemas.microsoft.com/office/drawing/2014/main" id="{6008EF10-180E-0A4D-BC79-897346052AFF}"/>
+              </a:ext>
+            </a:extLst>
+          </p:cNvPr>
+          <p:cNvSpPr txBox="1"/>
+          <p:nvPr/>
+        </p:nvSpPr>
+        <p:spPr>
+          <a:xfrm>
+            <a:off x="7300913" y="2048191"/>
+            <a:ext cx="2074408" cy="276999"/>
+          </a:xfrm>
+          <a:prstGeom prst="rect">
+            <a:avLst/>
+          </a:prstGeom>
+          <a:noFill/>
+        </p:spPr>
+        <p:txBody>
+          <a:bodyPr wrap="square" rtlCol="0">
+            <a:spAutoFit/>
+          </a:bodyPr>
+          <a:lstStyle/>
+          <a:p>
+            <a:r>
+              <a:rPr kumimoji="1" lang="en-US" altLang="ja-JP" sz="1200"/>
+              <a:t>CVAE</a:t>
+            </a:r>
+            <a:endParaRPr kumimoji="1" lang="ja-JP" altLang="en-US" sz="1200"/>
+          </a:p>
+        </p:txBody>
+      </p:sp>
+      <p:sp>
+        <p:nvSpPr>
+          <p:cNvPr id="7" name="テキスト ボックス 6">
+            <a:extLst>
+              <a:ext uri="{FF2B5EF4-FFF2-40B4-BE49-F238E27FC236}">
+                <a16:creationId xmlns:a16="http://schemas.microsoft.com/office/drawing/2014/main" id="{C95B6F0B-2AF6-1749-99A9-EA6276ADF339}"/>
+              </a:ext>
+            </a:extLst>
+          </p:cNvPr>
+          <p:cNvSpPr txBox="1"/>
+          <p:nvPr/>
+        </p:nvSpPr>
+        <p:spPr>
+          <a:xfrm>
+            <a:off x="7300913" y="2984063"/>
+            <a:ext cx="2074408" cy="276999"/>
+          </a:xfrm>
+          <a:prstGeom prst="rect">
+            <a:avLst/>
+          </a:prstGeom>
+          <a:noFill/>
+        </p:spPr>
+        <p:txBody>
+          <a:bodyPr wrap="square" rtlCol="0">
+            <a:spAutoFit/>
+          </a:bodyPr>
+          <a:lstStyle/>
+          <a:p>
+            <a:r>
+              <a:rPr lang="en" altLang="ja-JP" sz="1200"/>
+              <a:t>instance blind</a:t>
+            </a:r>
+          </a:p>
+        </p:txBody>
+      </p:sp>
+    </p:spTree>
+    <p:extLst>
+      <p:ext uri="{BB962C8B-B14F-4D97-AF65-F5344CB8AC3E}">
+        <p14:creationId xmlns:p14="http://schemas.microsoft.com/office/powerpoint/2010/main" val="2564806259"/>
+      </p:ext>
+    </p:extLst>
+  </p:cSld>
+  <p:clrMapOvr>
+    <a:masterClrMapping/>
+  </p:clrMapOvr>
+</p:sld>
+</file>
+
 <file path=ppt/theme/theme1.xml><?xml version="1.0" encoding="utf-8"?>
 <a:theme xmlns:a="http://schemas.openxmlformats.org/drawingml/2006/main" name="Office テーマ">
   <a:themeElements>
